--- a/references/Website design ideas.pptx
+++ b/references/Website design ideas.pptx
@@ -8,6 +8,14 @@
     <p:sldId id="256" r:id="rId2"/>
     <p:sldId id="257" r:id="rId3"/>
     <p:sldId id="258" r:id="rId4"/>
+    <p:sldId id="266" r:id="rId5"/>
+    <p:sldId id="259" r:id="rId6"/>
+    <p:sldId id="260" r:id="rId7"/>
+    <p:sldId id="261" r:id="rId8"/>
+    <p:sldId id="262" r:id="rId9"/>
+    <p:sldId id="263" r:id="rId10"/>
+    <p:sldId id="264" r:id="rId11"/>
+    <p:sldId id="265" r:id="rId12"/>
   </p:sldIdLst>
   <p:sldSz cx="12192000" cy="6858000"/>
   <p:notesSz cx="6858000" cy="9144000"/>
@@ -106,6 +114,11 @@
       </a:defRPr>
     </a:lvl9pPr>
   </p:defaultTextStyle>
+  <p:extLst>
+    <p:ext uri="{EFAFB233-063F-42B5-8137-9DF3F51BA10A}">
+      <p15:sldGuideLst xmlns:p15="http://schemas.microsoft.com/office/powerpoint/2012/main"/>
+    </p:ext>
+  </p:extLst>
 </p:presentation>
 </file>
 
@@ -3013,6 +3026,145 @@
 </p:sld>
 </file>
 
+<file path=ppt/slides/slide10.xml><?xml version="1.0" encoding="utf-8"?>
+<p:sld xmlns:a="http://schemas.openxmlformats.org/drawingml/2006/main" xmlns:r="http://schemas.openxmlformats.org/officeDocument/2006/relationships" xmlns:p="http://schemas.openxmlformats.org/presentationml/2006/main">
+  <p:cSld>
+    <p:bg>
+      <p:bgPr>
+        <a:solidFill>
+          <a:schemeClr val="tx1"/>
+        </a:solidFill>
+        <a:effectLst/>
+      </p:bgPr>
+    </p:bg>
+    <p:spTree>
+      <p:nvGrpSpPr>
+        <p:cNvPr id="1" name=""/>
+        <p:cNvGrpSpPr/>
+        <p:nvPr/>
+      </p:nvGrpSpPr>
+      <p:grpSpPr>
+        <a:xfrm>
+          <a:off x="0" y="0"/>
+          <a:ext cx="0" cy="0"/>
+          <a:chOff x="0" y="0"/>
+          <a:chExt cx="0" cy="0"/>
+        </a:xfrm>
+      </p:grpSpPr>
+      <p:pic>
+        <p:nvPicPr>
+          <p:cNvPr id="3074" name="Picture 2" descr="Businessman having phone call royalty-free stock photo"/>
+          <p:cNvPicPr>
+            <a:picLocks noChangeAspect="1" noChangeArrowheads="1"/>
+          </p:cNvPicPr>
+          <p:nvPr/>
+        </p:nvPicPr>
+        <p:blipFill>
+          <a:blip r:embed="rId2">
+            <a:extLst>
+              <a:ext uri="{28A0092B-C50C-407E-A947-70E740481C1C}">
+                <a14:useLocalDpi xmlns:a14="http://schemas.microsoft.com/office/drawing/2010/main" val="0"/>
+              </a:ext>
+            </a:extLst>
+          </a:blip>
+          <a:srcRect/>
+          <a:stretch>
+            <a:fillRect/>
+          </a:stretch>
+        </p:blipFill>
+        <p:spPr bwMode="auto">
+          <a:xfrm>
+            <a:off x="1675455" y="-185351"/>
+            <a:ext cx="6496050" cy="9753601"/>
+          </a:xfrm>
+          <a:prstGeom prst="rect">
+            <a:avLst/>
+          </a:prstGeom>
+          <a:noFill/>
+          <a:extLst>
+            <a:ext uri="{909E8E84-426E-40DD-AFC4-6F175D3DCCD1}">
+              <a14:hiddenFill xmlns:a14="http://schemas.microsoft.com/office/drawing/2010/main">
+                <a:solidFill>
+                  <a:srgbClr val="FFFFFF"/>
+                </a:solidFill>
+              </a14:hiddenFill>
+            </a:ext>
+          </a:extLst>
+        </p:spPr>
+      </p:pic>
+    </p:spTree>
+    <p:extLst>
+      <p:ext uri="{BB962C8B-B14F-4D97-AF65-F5344CB8AC3E}">
+        <p14:creationId xmlns:p14="http://schemas.microsoft.com/office/powerpoint/2010/main" val="1468120417"/>
+      </p:ext>
+    </p:extLst>
+  </p:cSld>
+  <p:clrMapOvr>
+    <a:masterClrMapping/>
+  </p:clrMapOvr>
+</p:sld>
+</file>
+
+<file path=ppt/slides/slide11.xml><?xml version="1.0" encoding="utf-8"?>
+<p:sld xmlns:a="http://schemas.openxmlformats.org/drawingml/2006/main" xmlns:r="http://schemas.openxmlformats.org/officeDocument/2006/relationships" xmlns:p="http://schemas.openxmlformats.org/presentationml/2006/main">
+  <p:cSld>
+    <p:spTree>
+      <p:nvGrpSpPr>
+        <p:cNvPr id="1" name=""/>
+        <p:cNvGrpSpPr/>
+        <p:nvPr/>
+      </p:nvGrpSpPr>
+      <p:grpSpPr>
+        <a:xfrm>
+          <a:off x="0" y="0"/>
+          <a:ext cx="0" cy="0"/>
+          <a:chOff x="0" y="0"/>
+          <a:chExt cx="0" cy="0"/>
+        </a:xfrm>
+      </p:grpSpPr>
+      <p:sp>
+        <p:nvSpPr>
+          <p:cNvPr id="2" name="TextBox 1"/>
+          <p:cNvSpPr txBox="1"/>
+          <p:nvPr/>
+        </p:nvSpPr>
+        <p:spPr>
+          <a:xfrm>
+            <a:off x="2582562" y="2743200"/>
+            <a:ext cx="8402595" cy="707886"/>
+          </a:xfrm>
+          <a:prstGeom prst="rect">
+            <a:avLst/>
+          </a:prstGeom>
+          <a:noFill/>
+        </p:spPr>
+        <p:txBody>
+          <a:bodyPr wrap="square" rtlCol="0">
+            <a:spAutoFit/>
+          </a:bodyPr>
+          <a:lstStyle/>
+          <a:p>
+            <a:r>
+              <a:rPr lang="en-US" sz="4000" dirty="0" smtClean="0"/>
+              <a:t>Passionate about the Perfect Match</a:t>
+            </a:r>
+            <a:endParaRPr lang="en-US" sz="4000" dirty="0"/>
+          </a:p>
+        </p:txBody>
+      </p:sp>
+    </p:spTree>
+    <p:extLst>
+      <p:ext uri="{BB962C8B-B14F-4D97-AF65-F5344CB8AC3E}">
+        <p14:creationId xmlns:p14="http://schemas.microsoft.com/office/powerpoint/2010/main" val="3921439229"/>
+      </p:ext>
+    </p:extLst>
+  </p:cSld>
+  <p:clrMapOvr>
+    <a:masterClrMapping/>
+  </p:clrMapOvr>
+</p:sld>
+</file>
+
 <file path=ppt/slides/slide2.xml><?xml version="1.0" encoding="utf-8"?>
 <p:sld xmlns:a="http://schemas.openxmlformats.org/drawingml/2006/main" xmlns:r="http://schemas.openxmlformats.org/officeDocument/2006/relationships" xmlns:p="http://schemas.openxmlformats.org/presentationml/2006/main">
   <p:cSld>
@@ -3145,6 +3297,732 @@
     <p:extLst>
       <p:ext uri="{BB962C8B-B14F-4D97-AF65-F5344CB8AC3E}">
         <p14:creationId xmlns:p14="http://schemas.microsoft.com/office/powerpoint/2010/main" val="1633451014"/>
+      </p:ext>
+    </p:extLst>
+  </p:cSld>
+  <p:clrMapOvr>
+    <a:masterClrMapping/>
+  </p:clrMapOvr>
+</p:sld>
+</file>
+
+<file path=ppt/slides/slide4.xml><?xml version="1.0" encoding="utf-8"?>
+<p:sld xmlns:a="http://schemas.openxmlformats.org/drawingml/2006/main" xmlns:r="http://schemas.openxmlformats.org/officeDocument/2006/relationships" xmlns:p="http://schemas.openxmlformats.org/presentationml/2006/main">
+  <p:cSld>
+    <p:bg>
+      <p:bgPr>
+        <a:solidFill>
+          <a:schemeClr val="tx1"/>
+        </a:solidFill>
+        <a:effectLst/>
+      </p:bgPr>
+    </p:bg>
+    <p:spTree>
+      <p:nvGrpSpPr>
+        <p:cNvPr id="1" name=""/>
+        <p:cNvGrpSpPr/>
+        <p:nvPr/>
+      </p:nvGrpSpPr>
+      <p:grpSpPr>
+        <a:xfrm>
+          <a:off x="0" y="0"/>
+          <a:ext cx="0" cy="0"/>
+          <a:chOff x="0" y="0"/>
+          <a:chExt cx="0" cy="0"/>
+        </a:xfrm>
+      </p:grpSpPr>
+      <p:sp>
+        <p:nvSpPr>
+          <p:cNvPr id="5" name="TextBox 4"/>
+          <p:cNvSpPr txBox="1"/>
+          <p:nvPr/>
+        </p:nvSpPr>
+        <p:spPr>
+          <a:xfrm>
+            <a:off x="0" y="0"/>
+            <a:ext cx="12192000" cy="1618735"/>
+          </a:xfrm>
+          <a:prstGeom prst="rect">
+            <a:avLst/>
+          </a:prstGeom>
+          <a:solidFill>
+            <a:schemeClr val="bg1"/>
+          </a:solidFill>
+        </p:spPr>
+        <p:txBody>
+          <a:bodyPr wrap="square" rtlCol="0">
+            <a:spAutoFit/>
+          </a:bodyPr>
+          <a:lstStyle/>
+          <a:p>
+            <a:endParaRPr lang="en-US" dirty="0"/>
+          </a:p>
+        </p:txBody>
+      </p:sp>
+      <p:pic>
+        <p:nvPicPr>
+          <p:cNvPr id="3" name="Picture 2"/>
+          <p:cNvPicPr>
+            <a:picLocks noChangeAspect="1"/>
+          </p:cNvPicPr>
+          <p:nvPr/>
+        </p:nvPicPr>
+        <p:blipFill>
+          <a:blip r:embed="rId2" cstate="print">
+            <a:extLst>
+              <a:ext uri="{28A0092B-C50C-407E-A947-70E740481C1C}">
+                <a14:useLocalDpi xmlns:a14="http://schemas.microsoft.com/office/drawing/2010/main" val="0"/>
+              </a:ext>
+            </a:extLst>
+          </a:blip>
+          <a:stretch>
+            <a:fillRect/>
+          </a:stretch>
+        </p:blipFill>
+        <p:spPr>
+          <a:xfrm>
+            <a:off x="155575" y="-123568"/>
+            <a:ext cx="1865870" cy="1865870"/>
+          </a:xfrm>
+          <a:prstGeom prst="rect">
+            <a:avLst/>
+          </a:prstGeom>
+        </p:spPr>
+      </p:pic>
+      <p:sp>
+        <p:nvSpPr>
+          <p:cNvPr id="4" name="TextBox 3"/>
+          <p:cNvSpPr txBox="1"/>
+          <p:nvPr/>
+        </p:nvSpPr>
+        <p:spPr>
+          <a:xfrm>
+            <a:off x="2224215" y="471270"/>
+            <a:ext cx="9811266" cy="400110"/>
+          </a:xfrm>
+          <a:prstGeom prst="rect">
+            <a:avLst/>
+          </a:prstGeom>
+          <a:noFill/>
+        </p:spPr>
+        <p:txBody>
+          <a:bodyPr wrap="square" rtlCol="0">
+            <a:spAutoFit/>
+          </a:bodyPr>
+          <a:lstStyle/>
+          <a:p>
+            <a:r>
+              <a:rPr lang="en-US" sz="2000" dirty="0" smtClean="0">
+                <a:latin typeface="Tahoma" panose="020B0604030504040204" pitchFamily="34" charset="0"/>
+                <a:ea typeface="Tahoma" panose="020B0604030504040204" pitchFamily="34" charset="0"/>
+                <a:cs typeface="Tahoma" panose="020B0604030504040204" pitchFamily="34" charset="0"/>
+              </a:rPr>
+              <a:t>HOME    ABOUT US     AREA OF FOCUS   OPPORTUNITIES   CONTACT US  </a:t>
+            </a:r>
+            <a:endParaRPr lang="en-US" sz="2000" dirty="0">
+              <a:latin typeface="Tahoma" panose="020B0604030504040204" pitchFamily="34" charset="0"/>
+              <a:ea typeface="Tahoma" panose="020B0604030504040204" pitchFamily="34" charset="0"/>
+              <a:cs typeface="Tahoma" panose="020B0604030504040204" pitchFamily="34" charset="0"/>
+            </a:endParaRPr>
+          </a:p>
+        </p:txBody>
+      </p:sp>
+      <p:sp>
+        <p:nvSpPr>
+          <p:cNvPr id="6" name="AutoShape 6" descr="Linkedin logo free icon"/>
+          <p:cNvSpPr>
+            <a:spLocks noChangeAspect="1" noChangeArrowheads="1"/>
+          </p:cNvSpPr>
+          <p:nvPr/>
+        </p:nvSpPr>
+        <p:spPr bwMode="auto">
+          <a:xfrm>
+            <a:off x="155575" y="-144463"/>
+            <a:ext cx="304800" cy="304801"/>
+          </a:xfrm>
+          <a:prstGeom prst="rect">
+            <a:avLst/>
+          </a:prstGeom>
+          <a:noFill/>
+          <a:extLst>
+            <a:ext uri="{909E8E84-426E-40DD-AFC4-6F175D3DCCD1}">
+              <a14:hiddenFill xmlns:a14="http://schemas.microsoft.com/office/drawing/2010/main">
+                <a:solidFill>
+                  <a:srgbClr val="FFFFFF"/>
+                </a:solidFill>
+              </a14:hiddenFill>
+            </a:ext>
+          </a:extLst>
+        </p:spPr>
+        <p:txBody>
+          <a:bodyPr vert="horz" wrap="square" lIns="91440" tIns="45720" rIns="91440" bIns="45720" numCol="1" anchor="t" anchorCtr="0" compatLnSpc="1">
+            <a:prstTxWarp prst="textNoShape">
+              <a:avLst/>
+            </a:prstTxWarp>
+          </a:bodyPr>
+          <a:lstStyle/>
+          <a:p>
+            <a:endParaRPr lang="en-US"/>
+          </a:p>
+        </p:txBody>
+      </p:sp>
+      <p:sp>
+        <p:nvSpPr>
+          <p:cNvPr id="7" name="AutoShape 8" descr="Linkedin logo free icon"/>
+          <p:cNvSpPr>
+            <a:spLocks noChangeAspect="1" noChangeArrowheads="1"/>
+          </p:cNvSpPr>
+          <p:nvPr/>
+        </p:nvSpPr>
+        <p:spPr bwMode="auto">
+          <a:xfrm>
+            <a:off x="307975" y="7937"/>
+            <a:ext cx="304800" cy="304801"/>
+          </a:xfrm>
+          <a:prstGeom prst="rect">
+            <a:avLst/>
+          </a:prstGeom>
+          <a:noFill/>
+          <a:extLst>
+            <a:ext uri="{909E8E84-426E-40DD-AFC4-6F175D3DCCD1}">
+              <a14:hiddenFill xmlns:a14="http://schemas.microsoft.com/office/drawing/2010/main">
+                <a:solidFill>
+                  <a:srgbClr val="FFFFFF"/>
+                </a:solidFill>
+              </a14:hiddenFill>
+            </a:ext>
+          </a:extLst>
+        </p:spPr>
+        <p:txBody>
+          <a:bodyPr vert="horz" wrap="square" lIns="91440" tIns="45720" rIns="91440" bIns="45720" numCol="1" anchor="t" anchorCtr="0" compatLnSpc="1">
+            <a:prstTxWarp prst="textNoShape">
+              <a:avLst/>
+            </a:prstTxWarp>
+          </a:bodyPr>
+          <a:lstStyle/>
+          <a:p>
+            <a:endParaRPr lang="en-US"/>
+          </a:p>
+        </p:txBody>
+      </p:sp>
+      <p:pic>
+        <p:nvPicPr>
+          <p:cNvPr id="10" name="Picture 9"/>
+          <p:cNvPicPr>
+            <a:picLocks noChangeAspect="1"/>
+          </p:cNvPicPr>
+          <p:nvPr/>
+        </p:nvPicPr>
+        <p:blipFill>
+          <a:blip r:embed="rId3" cstate="print">
+            <a:extLst>
+              <a:ext uri="{28A0092B-C50C-407E-A947-70E740481C1C}">
+                <a14:useLocalDpi xmlns:a14="http://schemas.microsoft.com/office/drawing/2010/main" val="0"/>
+              </a:ext>
+            </a:extLst>
+          </a:blip>
+          <a:stretch>
+            <a:fillRect/>
+          </a:stretch>
+        </p:blipFill>
+        <p:spPr>
+          <a:xfrm>
+            <a:off x="0" y="1618735"/>
+            <a:ext cx="4794539" cy="3200772"/>
+          </a:xfrm>
+          <a:prstGeom prst="rect">
+            <a:avLst/>
+          </a:prstGeom>
+        </p:spPr>
+      </p:pic>
+      <p:pic>
+        <p:nvPicPr>
+          <p:cNvPr id="11" name="Picture 2" descr="Businessman with smartphone royalty-free stock photo"/>
+          <p:cNvPicPr>
+            <a:picLocks noChangeAspect="1" noChangeArrowheads="1"/>
+          </p:cNvPicPr>
+          <p:nvPr/>
+        </p:nvPicPr>
+        <p:blipFill>
+          <a:blip r:embed="rId4">
+            <a:extLst>
+              <a:ext uri="{28A0092B-C50C-407E-A947-70E740481C1C}">
+                <a14:useLocalDpi xmlns:a14="http://schemas.microsoft.com/office/drawing/2010/main" val="0"/>
+              </a:ext>
+            </a:extLst>
+          </a:blip>
+          <a:srcRect/>
+          <a:stretch>
+            <a:fillRect/>
+          </a:stretch>
+        </p:blipFill>
+        <p:spPr bwMode="auto">
+          <a:xfrm>
+            <a:off x="5064339" y="1618736"/>
+            <a:ext cx="3708959" cy="3200771"/>
+          </a:xfrm>
+          <a:prstGeom prst="rect">
+            <a:avLst/>
+          </a:prstGeom>
+          <a:noFill/>
+          <a:extLst>
+            <a:ext uri="{909E8E84-426E-40DD-AFC4-6F175D3DCCD1}">
+              <a14:hiddenFill xmlns:a14="http://schemas.microsoft.com/office/drawing/2010/main">
+                <a:solidFill>
+                  <a:srgbClr val="FFFFFF"/>
+                </a:solidFill>
+              </a14:hiddenFill>
+            </a:ext>
+          </a:extLst>
+        </p:spPr>
+      </p:pic>
+      <p:pic>
+        <p:nvPicPr>
+          <p:cNvPr id="12" name="Picture 11"/>
+          <p:cNvPicPr>
+            <a:picLocks noChangeAspect="1"/>
+          </p:cNvPicPr>
+          <p:nvPr/>
+        </p:nvPicPr>
+        <p:blipFill>
+          <a:blip r:embed="rId5" cstate="print">
+            <a:extLst>
+              <a:ext uri="{28A0092B-C50C-407E-A947-70E740481C1C}">
+                <a14:useLocalDpi xmlns:a14="http://schemas.microsoft.com/office/drawing/2010/main" val="0"/>
+              </a:ext>
+            </a:extLst>
+          </a:blip>
+          <a:stretch>
+            <a:fillRect/>
+          </a:stretch>
+        </p:blipFill>
+        <p:spPr>
+          <a:xfrm>
+            <a:off x="8802222" y="1618735"/>
+            <a:ext cx="3546389" cy="3200771"/>
+          </a:xfrm>
+          <a:prstGeom prst="rect">
+            <a:avLst/>
+          </a:prstGeom>
+        </p:spPr>
+      </p:pic>
+      <p:sp>
+        <p:nvSpPr>
+          <p:cNvPr id="8" name="TextBox 7"/>
+          <p:cNvSpPr txBox="1"/>
+          <p:nvPr/>
+        </p:nvSpPr>
+        <p:spPr>
+          <a:xfrm>
+            <a:off x="0" y="4819506"/>
+            <a:ext cx="12192000" cy="2123658"/>
+          </a:xfrm>
+          <a:prstGeom prst="rect">
+            <a:avLst/>
+          </a:prstGeom>
+          <a:solidFill>
+            <a:schemeClr val="bg1"/>
+          </a:solidFill>
+        </p:spPr>
+        <p:txBody>
+          <a:bodyPr wrap="square" rtlCol="0">
+            <a:spAutoFit/>
+          </a:bodyPr>
+          <a:lstStyle/>
+          <a:p>
+            <a:pPr algn="ctr"/>
+            <a:endParaRPr lang="en-US" sz="4800" dirty="0" smtClean="0">
+              <a:latin typeface="Tahoma" panose="020B0604030504040204" pitchFamily="34" charset="0"/>
+              <a:ea typeface="Tahoma" panose="020B0604030504040204" pitchFamily="34" charset="0"/>
+              <a:cs typeface="Tahoma" panose="020B0604030504040204" pitchFamily="34" charset="0"/>
+            </a:endParaRPr>
+          </a:p>
+          <a:p>
+            <a:pPr algn="ctr"/>
+            <a:r>
+              <a:rPr lang="en-US" sz="4800" dirty="0" smtClean="0">
+                <a:latin typeface="Tahoma" panose="020B0604030504040204" pitchFamily="34" charset="0"/>
+                <a:ea typeface="Tahoma" panose="020B0604030504040204" pitchFamily="34" charset="0"/>
+                <a:cs typeface="Tahoma" panose="020B0604030504040204" pitchFamily="34" charset="0"/>
+              </a:rPr>
+              <a:t>PASSIONATE ABOUT THE PERFECT MATCH</a:t>
+            </a:r>
+            <a:endParaRPr lang="en-US" dirty="0"/>
+          </a:p>
+          <a:p>
+            <a:endParaRPr lang="en-US" dirty="0" smtClean="0"/>
+          </a:p>
+          <a:p>
+            <a:endParaRPr lang="en-US" dirty="0"/>
+          </a:p>
+        </p:txBody>
+      </p:sp>
+    </p:spTree>
+    <p:extLst>
+      <p:ext uri="{BB962C8B-B14F-4D97-AF65-F5344CB8AC3E}">
+        <p14:creationId xmlns:p14="http://schemas.microsoft.com/office/powerpoint/2010/main" val="2031326871"/>
+      </p:ext>
+    </p:extLst>
+  </p:cSld>
+  <p:clrMapOvr>
+    <a:masterClrMapping/>
+  </p:clrMapOvr>
+</p:sld>
+</file>
+
+<file path=ppt/slides/slide5.xml><?xml version="1.0" encoding="utf-8"?>
+<p:sld xmlns:a="http://schemas.openxmlformats.org/drawingml/2006/main" xmlns:r="http://schemas.openxmlformats.org/officeDocument/2006/relationships" xmlns:p="http://schemas.openxmlformats.org/presentationml/2006/main">
+  <p:cSld>
+    <p:bg>
+      <p:bgPr>
+        <a:solidFill>
+          <a:schemeClr val="tx1"/>
+        </a:solidFill>
+        <a:effectLst/>
+      </p:bgPr>
+    </p:bg>
+    <p:spTree>
+      <p:nvGrpSpPr>
+        <p:cNvPr id="1" name=""/>
+        <p:cNvGrpSpPr/>
+        <p:nvPr/>
+      </p:nvGrpSpPr>
+      <p:grpSpPr>
+        <a:xfrm>
+          <a:off x="0" y="0"/>
+          <a:ext cx="0" cy="0"/>
+          <a:chOff x="0" y="0"/>
+          <a:chExt cx="0" cy="0"/>
+        </a:xfrm>
+      </p:grpSpPr>
+      <p:pic>
+        <p:nvPicPr>
+          <p:cNvPr id="1026" name="Picture 2" descr="Businessman with smartphone royalty-free stock photo"/>
+          <p:cNvPicPr>
+            <a:picLocks noChangeAspect="1" noChangeArrowheads="1"/>
+          </p:cNvPicPr>
+          <p:nvPr/>
+        </p:nvPicPr>
+        <p:blipFill>
+          <a:blip r:embed="rId2">
+            <a:extLst>
+              <a:ext uri="{28A0092B-C50C-407E-A947-70E740481C1C}">
+                <a14:useLocalDpi xmlns:a14="http://schemas.microsoft.com/office/drawing/2010/main" val="0"/>
+              </a:ext>
+            </a:extLst>
+          </a:blip>
+          <a:srcRect/>
+          <a:stretch>
+            <a:fillRect/>
+          </a:stretch>
+        </p:blipFill>
+        <p:spPr bwMode="auto">
+          <a:xfrm>
+            <a:off x="884624" y="352424"/>
+            <a:ext cx="9753600" cy="6505576"/>
+          </a:xfrm>
+          <a:prstGeom prst="rect">
+            <a:avLst/>
+          </a:prstGeom>
+          <a:noFill/>
+          <a:extLst>
+            <a:ext uri="{909E8E84-426E-40DD-AFC4-6F175D3DCCD1}">
+              <a14:hiddenFill xmlns:a14="http://schemas.microsoft.com/office/drawing/2010/main">
+                <a:solidFill>
+                  <a:srgbClr val="FFFFFF"/>
+                </a:solidFill>
+              </a14:hiddenFill>
+            </a:ext>
+          </a:extLst>
+        </p:spPr>
+      </p:pic>
+    </p:spTree>
+    <p:extLst>
+      <p:ext uri="{BB962C8B-B14F-4D97-AF65-F5344CB8AC3E}">
+        <p14:creationId xmlns:p14="http://schemas.microsoft.com/office/powerpoint/2010/main" val="1418308560"/>
+      </p:ext>
+    </p:extLst>
+  </p:cSld>
+  <p:clrMapOvr>
+    <a:masterClrMapping/>
+  </p:clrMapOvr>
+</p:sld>
+</file>
+
+<file path=ppt/slides/slide6.xml><?xml version="1.0" encoding="utf-8"?>
+<p:sld xmlns:a="http://schemas.openxmlformats.org/drawingml/2006/main" xmlns:r="http://schemas.openxmlformats.org/officeDocument/2006/relationships" xmlns:p="http://schemas.openxmlformats.org/presentationml/2006/main">
+  <p:cSld>
+    <p:bg>
+      <p:bgPr>
+        <a:solidFill>
+          <a:schemeClr val="tx1"/>
+        </a:solidFill>
+        <a:effectLst/>
+      </p:bgPr>
+    </p:bg>
+    <p:spTree>
+      <p:nvGrpSpPr>
+        <p:cNvPr id="1" name=""/>
+        <p:cNvGrpSpPr/>
+        <p:nvPr/>
+      </p:nvGrpSpPr>
+      <p:grpSpPr>
+        <a:xfrm>
+          <a:off x="0" y="0"/>
+          <a:ext cx="0" cy="0"/>
+          <a:chOff x="0" y="0"/>
+          <a:chExt cx="0" cy="0"/>
+        </a:xfrm>
+      </p:grpSpPr>
+      <p:pic>
+        <p:nvPicPr>
+          <p:cNvPr id="2" name="Picture 1"/>
+          <p:cNvPicPr>
+            <a:picLocks noChangeAspect="1"/>
+          </p:cNvPicPr>
+          <p:nvPr/>
+        </p:nvPicPr>
+        <p:blipFill>
+          <a:blip r:embed="rId2" cstate="print">
+            <a:extLst>
+              <a:ext uri="{28A0092B-C50C-407E-A947-70E740481C1C}">
+                <a14:useLocalDpi xmlns:a14="http://schemas.microsoft.com/office/drawing/2010/main" val="0"/>
+              </a:ext>
+            </a:extLst>
+          </a:blip>
+          <a:stretch>
+            <a:fillRect/>
+          </a:stretch>
+        </p:blipFill>
+        <p:spPr>
+          <a:xfrm>
+            <a:off x="679623" y="115540"/>
+            <a:ext cx="8637490" cy="5766276"/>
+          </a:xfrm>
+          <a:prstGeom prst="rect">
+            <a:avLst/>
+          </a:prstGeom>
+        </p:spPr>
+      </p:pic>
+    </p:spTree>
+    <p:extLst>
+      <p:ext uri="{BB962C8B-B14F-4D97-AF65-F5344CB8AC3E}">
+        <p14:creationId xmlns:p14="http://schemas.microsoft.com/office/powerpoint/2010/main" val="2842958129"/>
+      </p:ext>
+    </p:extLst>
+  </p:cSld>
+  <p:clrMapOvr>
+    <a:masterClrMapping/>
+  </p:clrMapOvr>
+</p:sld>
+</file>
+
+<file path=ppt/slides/slide7.xml><?xml version="1.0" encoding="utf-8"?>
+<p:sld xmlns:a="http://schemas.openxmlformats.org/drawingml/2006/main" xmlns:r="http://schemas.openxmlformats.org/officeDocument/2006/relationships" xmlns:p="http://schemas.openxmlformats.org/presentationml/2006/main">
+  <p:cSld>
+    <p:bg>
+      <p:bgPr>
+        <a:solidFill>
+          <a:schemeClr val="tx1"/>
+        </a:solidFill>
+        <a:effectLst/>
+      </p:bgPr>
+    </p:bg>
+    <p:spTree>
+      <p:nvGrpSpPr>
+        <p:cNvPr id="1" name=""/>
+        <p:cNvGrpSpPr/>
+        <p:nvPr/>
+      </p:nvGrpSpPr>
+      <p:grpSpPr>
+        <a:xfrm>
+          <a:off x="0" y="0"/>
+          <a:ext cx="0" cy="0"/>
+          <a:chOff x="0" y="0"/>
+          <a:chExt cx="0" cy="0"/>
+        </a:xfrm>
+      </p:grpSpPr>
+      <p:pic>
+        <p:nvPicPr>
+          <p:cNvPr id="2" name="Picture 1"/>
+          <p:cNvPicPr>
+            <a:picLocks noChangeAspect="1"/>
+          </p:cNvPicPr>
+          <p:nvPr/>
+        </p:nvPicPr>
+        <p:blipFill>
+          <a:blip r:embed="rId2" cstate="print">
+            <a:extLst>
+              <a:ext uri="{28A0092B-C50C-407E-A947-70E740481C1C}">
+                <a14:useLocalDpi xmlns:a14="http://schemas.microsoft.com/office/drawing/2010/main" val="0"/>
+              </a:ext>
+            </a:extLst>
+          </a:blip>
+          <a:stretch>
+            <a:fillRect/>
+          </a:stretch>
+        </p:blipFill>
+        <p:spPr>
+          <a:xfrm>
+            <a:off x="3810000" y="0"/>
+            <a:ext cx="5951838" cy="6858000"/>
+          </a:xfrm>
+          <a:prstGeom prst="rect">
+            <a:avLst/>
+          </a:prstGeom>
+        </p:spPr>
+      </p:pic>
+    </p:spTree>
+    <p:extLst>
+      <p:ext uri="{BB962C8B-B14F-4D97-AF65-F5344CB8AC3E}">
+        <p14:creationId xmlns:p14="http://schemas.microsoft.com/office/powerpoint/2010/main" val="3610455028"/>
+      </p:ext>
+    </p:extLst>
+  </p:cSld>
+  <p:clrMapOvr>
+    <a:masterClrMapping/>
+  </p:clrMapOvr>
+</p:sld>
+</file>
+
+<file path=ppt/slides/slide8.xml><?xml version="1.0" encoding="utf-8"?>
+<p:sld xmlns:a="http://schemas.openxmlformats.org/drawingml/2006/main" xmlns:r="http://schemas.openxmlformats.org/officeDocument/2006/relationships" xmlns:p="http://schemas.openxmlformats.org/presentationml/2006/main">
+  <p:cSld>
+    <p:bg>
+      <p:bgPr>
+        <a:solidFill>
+          <a:schemeClr val="tx1"/>
+        </a:solidFill>
+        <a:effectLst/>
+      </p:bgPr>
+    </p:bg>
+    <p:spTree>
+      <p:nvGrpSpPr>
+        <p:cNvPr id="1" name=""/>
+        <p:cNvGrpSpPr/>
+        <p:nvPr/>
+      </p:nvGrpSpPr>
+      <p:grpSpPr>
+        <a:xfrm>
+          <a:off x="0" y="0"/>
+          <a:ext cx="0" cy="0"/>
+          <a:chOff x="0" y="0"/>
+          <a:chExt cx="0" cy="0"/>
+        </a:xfrm>
+      </p:grpSpPr>
+      <p:pic>
+        <p:nvPicPr>
+          <p:cNvPr id="2" name="Picture 1"/>
+          <p:cNvPicPr>
+            <a:picLocks noChangeAspect="1"/>
+          </p:cNvPicPr>
+          <p:nvPr/>
+        </p:nvPicPr>
+        <p:blipFill>
+          <a:blip r:embed="rId2" cstate="print">
+            <a:extLst>
+              <a:ext uri="{28A0092B-C50C-407E-A947-70E740481C1C}">
+                <a14:useLocalDpi xmlns:a14="http://schemas.microsoft.com/office/drawing/2010/main" val="0"/>
+              </a:ext>
+            </a:extLst>
+          </a:blip>
+          <a:stretch>
+            <a:fillRect/>
+          </a:stretch>
+        </p:blipFill>
+        <p:spPr>
+          <a:xfrm>
+            <a:off x="1581397" y="568411"/>
+            <a:ext cx="8191562" cy="5472478"/>
+          </a:xfrm>
+          <a:prstGeom prst="rect">
+            <a:avLst/>
+          </a:prstGeom>
+        </p:spPr>
+      </p:pic>
+    </p:spTree>
+    <p:extLst>
+      <p:ext uri="{BB962C8B-B14F-4D97-AF65-F5344CB8AC3E}">
+        <p14:creationId xmlns:p14="http://schemas.microsoft.com/office/powerpoint/2010/main" val="1508406015"/>
+      </p:ext>
+    </p:extLst>
+  </p:cSld>
+  <p:clrMapOvr>
+    <a:masterClrMapping/>
+  </p:clrMapOvr>
+</p:sld>
+</file>
+
+<file path=ppt/slides/slide9.xml><?xml version="1.0" encoding="utf-8"?>
+<p:sld xmlns:a="http://schemas.openxmlformats.org/drawingml/2006/main" xmlns:r="http://schemas.openxmlformats.org/officeDocument/2006/relationships" xmlns:p="http://schemas.openxmlformats.org/presentationml/2006/main">
+  <p:cSld>
+    <p:bg>
+      <p:bgPr>
+        <a:solidFill>
+          <a:schemeClr val="tx1"/>
+        </a:solidFill>
+        <a:effectLst/>
+      </p:bgPr>
+    </p:bg>
+    <p:spTree>
+      <p:nvGrpSpPr>
+        <p:cNvPr id="1" name=""/>
+        <p:cNvGrpSpPr/>
+        <p:nvPr/>
+      </p:nvGrpSpPr>
+      <p:grpSpPr>
+        <a:xfrm>
+          <a:off x="0" y="0"/>
+          <a:ext cx="0" cy="0"/>
+          <a:chOff x="0" y="0"/>
+          <a:chExt cx="0" cy="0"/>
+        </a:xfrm>
+      </p:grpSpPr>
+      <p:pic>
+        <p:nvPicPr>
+          <p:cNvPr id="2050" name="Picture 2" descr="Asian woman using smart phone with blur green garden background. Thai business woman were black suit and black vest. Thinking and looking forward emotion. royalty-free stock photo"/>
+          <p:cNvPicPr>
+            <a:picLocks noChangeAspect="1" noChangeArrowheads="1"/>
+          </p:cNvPicPr>
+          <p:nvPr/>
+        </p:nvPicPr>
+        <p:blipFill>
+          <a:blip r:embed="rId2">
+            <a:extLst>
+              <a:ext uri="{28A0092B-C50C-407E-A947-70E740481C1C}">
+                <a14:useLocalDpi xmlns:a14="http://schemas.microsoft.com/office/drawing/2010/main" val="0"/>
+              </a:ext>
+            </a:extLst>
+          </a:blip>
+          <a:srcRect/>
+          <a:stretch>
+            <a:fillRect/>
+          </a:stretch>
+        </p:blipFill>
+        <p:spPr bwMode="auto">
+          <a:xfrm>
+            <a:off x="1774310" y="300681"/>
+            <a:ext cx="9753600" cy="7315200"/>
+          </a:xfrm>
+          <a:prstGeom prst="rect">
+            <a:avLst/>
+          </a:prstGeom>
+          <a:noFill/>
+          <a:extLst>
+            <a:ext uri="{909E8E84-426E-40DD-AFC4-6F175D3DCCD1}">
+              <a14:hiddenFill xmlns:a14="http://schemas.microsoft.com/office/drawing/2010/main">
+                <a:solidFill>
+                  <a:srgbClr val="FFFFFF"/>
+                </a:solidFill>
+              </a14:hiddenFill>
+            </a:ext>
+          </a:extLst>
+        </p:spPr>
+      </p:pic>
+    </p:spTree>
+    <p:extLst>
+      <p:ext uri="{BB962C8B-B14F-4D97-AF65-F5344CB8AC3E}">
+        <p14:creationId xmlns:p14="http://schemas.microsoft.com/office/powerpoint/2010/main" val="3760734012"/>
       </p:ext>
     </p:extLst>
   </p:cSld>
